--- a/Data/Image/UI/gamePad.pptx
+++ b/Data/Image/UI/gamePad.pptx
@@ -209,7 +209,7 @@
           <a:p>
             <a:fld id="{A553F076-9964-4734-A966-EECC39E0C2CA}" type="datetimeFigureOut">
               <a:rPr kumimoji="1" lang="ja-JP" altLang="en-US" smtClean="0"/>
-              <a:t>2024/1/26</a:t>
+              <a:t>2024/1/28</a:t>
             </a:fld>
             <a:endParaRPr kumimoji="1" lang="ja-JP" altLang="en-US"/>
           </a:p>
@@ -674,7 +674,7 @@
           <a:p>
             <a:fld id="{B4CF7C5F-49F0-4FFE-88D4-47AC6B151F19}" type="datetimeFigureOut">
               <a:rPr kumimoji="1" lang="ja-JP" altLang="en-US" smtClean="0"/>
-              <a:t>2024/1/26</a:t>
+              <a:t>2024/1/28</a:t>
             </a:fld>
             <a:endParaRPr kumimoji="1" lang="ja-JP" altLang="en-US"/>
           </a:p>
@@ -904,7 +904,7 @@
           <a:p>
             <a:fld id="{B4CF7C5F-49F0-4FFE-88D4-47AC6B151F19}" type="datetimeFigureOut">
               <a:rPr kumimoji="1" lang="ja-JP" altLang="en-US" smtClean="0"/>
-              <a:t>2024/1/26</a:t>
+              <a:t>2024/1/28</a:t>
             </a:fld>
             <a:endParaRPr kumimoji="1" lang="ja-JP" altLang="en-US"/>
           </a:p>
@@ -1144,7 +1144,7 @@
           <a:p>
             <a:fld id="{B4CF7C5F-49F0-4FFE-88D4-47AC6B151F19}" type="datetimeFigureOut">
               <a:rPr kumimoji="1" lang="ja-JP" altLang="en-US" smtClean="0"/>
-              <a:t>2024/1/26</a:t>
+              <a:t>2024/1/28</a:t>
             </a:fld>
             <a:endParaRPr kumimoji="1" lang="ja-JP" altLang="en-US"/>
           </a:p>
@@ -1374,7 +1374,7 @@
           <a:p>
             <a:fld id="{B4CF7C5F-49F0-4FFE-88D4-47AC6B151F19}" type="datetimeFigureOut">
               <a:rPr kumimoji="1" lang="ja-JP" altLang="en-US" smtClean="0"/>
-              <a:t>2024/1/26</a:t>
+              <a:t>2024/1/28</a:t>
             </a:fld>
             <a:endParaRPr kumimoji="1" lang="ja-JP" altLang="en-US"/>
           </a:p>
@@ -1649,7 +1649,7 @@
           <a:p>
             <a:fld id="{B4CF7C5F-49F0-4FFE-88D4-47AC6B151F19}" type="datetimeFigureOut">
               <a:rPr kumimoji="1" lang="ja-JP" altLang="en-US" smtClean="0"/>
-              <a:t>2024/1/26</a:t>
+              <a:t>2024/1/28</a:t>
             </a:fld>
             <a:endParaRPr kumimoji="1" lang="ja-JP" altLang="en-US"/>
           </a:p>
@@ -1978,7 +1978,7 @@
           <a:p>
             <a:fld id="{B4CF7C5F-49F0-4FFE-88D4-47AC6B151F19}" type="datetimeFigureOut">
               <a:rPr kumimoji="1" lang="ja-JP" altLang="en-US" smtClean="0"/>
-              <a:t>2024/1/26</a:t>
+              <a:t>2024/1/28</a:t>
             </a:fld>
             <a:endParaRPr kumimoji="1" lang="ja-JP" altLang="en-US"/>
           </a:p>
@@ -2454,7 +2454,7 @@
           <a:p>
             <a:fld id="{B4CF7C5F-49F0-4FFE-88D4-47AC6B151F19}" type="datetimeFigureOut">
               <a:rPr kumimoji="1" lang="ja-JP" altLang="en-US" smtClean="0"/>
-              <a:t>2024/1/26</a:t>
+              <a:t>2024/1/28</a:t>
             </a:fld>
             <a:endParaRPr kumimoji="1" lang="ja-JP" altLang="en-US"/>
           </a:p>
@@ -2595,7 +2595,7 @@
           <a:p>
             <a:fld id="{B4CF7C5F-49F0-4FFE-88D4-47AC6B151F19}" type="datetimeFigureOut">
               <a:rPr kumimoji="1" lang="ja-JP" altLang="en-US" smtClean="0"/>
-              <a:t>2024/1/26</a:t>
+              <a:t>2024/1/28</a:t>
             </a:fld>
             <a:endParaRPr kumimoji="1" lang="ja-JP" altLang="en-US"/>
           </a:p>
@@ -2708,7 +2708,7 @@
           <a:p>
             <a:fld id="{B4CF7C5F-49F0-4FFE-88D4-47AC6B151F19}" type="datetimeFigureOut">
               <a:rPr kumimoji="1" lang="ja-JP" altLang="en-US" smtClean="0"/>
-              <a:t>2024/1/26</a:t>
+              <a:t>2024/1/28</a:t>
             </a:fld>
             <a:endParaRPr kumimoji="1" lang="ja-JP" altLang="en-US"/>
           </a:p>
@@ -3051,7 +3051,7 @@
           <a:p>
             <a:fld id="{B4CF7C5F-49F0-4FFE-88D4-47AC6B151F19}" type="datetimeFigureOut">
               <a:rPr kumimoji="1" lang="ja-JP" altLang="en-US" smtClean="0"/>
-              <a:t>2024/1/26</a:t>
+              <a:t>2024/1/28</a:t>
             </a:fld>
             <a:endParaRPr kumimoji="1" lang="ja-JP" altLang="en-US"/>
           </a:p>
@@ -3339,7 +3339,7 @@
           <a:p>
             <a:fld id="{B4CF7C5F-49F0-4FFE-88D4-47AC6B151F19}" type="datetimeFigureOut">
               <a:rPr kumimoji="1" lang="ja-JP" altLang="en-US" smtClean="0"/>
-              <a:t>2024/1/26</a:t>
+              <a:t>2024/1/28</a:t>
             </a:fld>
             <a:endParaRPr kumimoji="1" lang="ja-JP" altLang="en-US"/>
           </a:p>
@@ -3612,7 +3612,7 @@
           <a:p>
             <a:fld id="{B4CF7C5F-49F0-4FFE-88D4-47AC6B151F19}" type="datetimeFigureOut">
               <a:rPr kumimoji="1" lang="ja-JP" altLang="en-US" smtClean="0"/>
-              <a:t>2024/1/26</a:t>
+              <a:t>2024/1/28</a:t>
             </a:fld>
             <a:endParaRPr kumimoji="1" lang="ja-JP" altLang="en-US"/>
           </a:p>
@@ -4718,6 +4718,81 @@
               <a:latin typeface="BIZ UD明朝 Medium" panose="02020500000000000000" pitchFamily="17" charset="-128"/>
               <a:ea typeface="BIZ UD明朝 Medium" panose="02020500000000000000" pitchFamily="17" charset="-128"/>
             </a:endParaRPr>
+          </a:p>
+        </p:txBody>
+      </p:sp>
+      <p:pic>
+        <p:nvPicPr>
+          <p:cNvPr id="7" name="図 6" descr="アイコン&#10;&#10;自動的に生成された説明">
+            <a:extLst>
+              <a:ext uri="{FF2B5EF4-FFF2-40B4-BE49-F238E27FC236}">
+                <a16:creationId xmlns:a16="http://schemas.microsoft.com/office/drawing/2014/main" id="{9DA61158-C31E-C604-035A-73B7F5285DA1}"/>
+              </a:ext>
+            </a:extLst>
+          </p:cNvPr>
+          <p:cNvPicPr>
+            <a:picLocks noChangeAspect="1"/>
+          </p:cNvPicPr>
+          <p:nvPr/>
+        </p:nvPicPr>
+        <p:blipFill>
+          <a:blip r:embed="rId4">
+            <a:extLst>
+              <a:ext uri="{28A0092B-C50C-407E-A947-70E740481C1C}">
+                <a14:useLocalDpi xmlns:a14="http://schemas.microsoft.com/office/drawing/2010/main" val="0"/>
+              </a:ext>
+            </a:extLst>
+          </a:blip>
+          <a:stretch>
+            <a:fillRect/>
+          </a:stretch>
+        </p:blipFill>
+        <p:spPr>
+          <a:xfrm>
+            <a:off x="10439810" y="6026046"/>
+            <a:ext cx="646331" cy="646331"/>
+          </a:xfrm>
+          <a:prstGeom prst="rect">
+            <a:avLst/>
+          </a:prstGeom>
+        </p:spPr>
+      </p:pic>
+      <p:sp>
+        <p:nvSpPr>
+          <p:cNvPr id="9" name="テキスト ボックス 8">
+            <a:extLst>
+              <a:ext uri="{FF2B5EF4-FFF2-40B4-BE49-F238E27FC236}">
+                <a16:creationId xmlns:a16="http://schemas.microsoft.com/office/drawing/2014/main" id="{52CC77C7-9322-FC6D-4F05-42925DEE64E0}"/>
+              </a:ext>
+            </a:extLst>
+          </p:cNvPr>
+          <p:cNvSpPr txBox="1"/>
+          <p:nvPr/>
+        </p:nvSpPr>
+        <p:spPr>
+          <a:xfrm>
+            <a:off x="10957646" y="6054082"/>
+            <a:ext cx="1008956" cy="584775"/>
+          </a:xfrm>
+          <a:prstGeom prst="rect">
+            <a:avLst/>
+          </a:prstGeom>
+          <a:noFill/>
+        </p:spPr>
+        <p:txBody>
+          <a:bodyPr wrap="square" rtlCol="0">
+            <a:spAutoFit/>
+          </a:bodyPr>
+          <a:lstStyle/>
+          <a:p>
+            <a:pPr algn="ctr"/>
+            <a:r>
+              <a:rPr kumimoji="1" lang="ja-JP" altLang="en-US" sz="3200" dirty="0">
+                <a:latin typeface="BIZ UD明朝 Medium" panose="02020500000000000000" pitchFamily="17" charset="-128"/>
+                <a:ea typeface="BIZ UD明朝 Medium" panose="02020500000000000000" pitchFamily="17" charset="-128"/>
+              </a:rPr>
+              <a:t>戦う</a:t>
+            </a:r>
           </a:p>
         </p:txBody>
       </p:sp>
